--- a/chargedata特征分析.pptx
+++ b/chargedata特征分析.pptx
@@ -264,7 +264,7 @@
           <a:p>
             <a:fld id="{C5381EA0-1461-46CC-8F26-9DE806167B9E}" type="datetimeFigureOut">
               <a:rPr lang="zh-CN" altLang="en-US" smtClean="0"/>
-              <a:t>2023/10/3</a:t>
+              <a:t>2023/10/4</a:t>
             </a:fld>
             <a:endParaRPr lang="zh-CN" altLang="en-US"/>
           </a:p>
@@ -462,7 +462,7 @@
           <a:p>
             <a:fld id="{C5381EA0-1461-46CC-8F26-9DE806167B9E}" type="datetimeFigureOut">
               <a:rPr lang="zh-CN" altLang="en-US" smtClean="0"/>
-              <a:t>2023/10/3</a:t>
+              <a:t>2023/10/4</a:t>
             </a:fld>
             <a:endParaRPr lang="zh-CN" altLang="en-US"/>
           </a:p>
@@ -670,7 +670,7 @@
           <a:p>
             <a:fld id="{C5381EA0-1461-46CC-8F26-9DE806167B9E}" type="datetimeFigureOut">
               <a:rPr lang="zh-CN" altLang="en-US" smtClean="0"/>
-              <a:t>2023/10/3</a:t>
+              <a:t>2023/10/4</a:t>
             </a:fld>
             <a:endParaRPr lang="zh-CN" altLang="en-US"/>
           </a:p>
@@ -868,7 +868,7 @@
           <a:p>
             <a:fld id="{C5381EA0-1461-46CC-8F26-9DE806167B9E}" type="datetimeFigureOut">
               <a:rPr lang="zh-CN" altLang="en-US" smtClean="0"/>
-              <a:t>2023/10/3</a:t>
+              <a:t>2023/10/4</a:t>
             </a:fld>
             <a:endParaRPr lang="zh-CN" altLang="en-US"/>
           </a:p>
@@ -1143,7 +1143,7 @@
           <a:p>
             <a:fld id="{C5381EA0-1461-46CC-8F26-9DE806167B9E}" type="datetimeFigureOut">
               <a:rPr lang="zh-CN" altLang="en-US" smtClean="0"/>
-              <a:t>2023/10/3</a:t>
+              <a:t>2023/10/4</a:t>
             </a:fld>
             <a:endParaRPr lang="zh-CN" altLang="en-US"/>
           </a:p>
@@ -1408,7 +1408,7 @@
           <a:p>
             <a:fld id="{C5381EA0-1461-46CC-8F26-9DE806167B9E}" type="datetimeFigureOut">
               <a:rPr lang="zh-CN" altLang="en-US" smtClean="0"/>
-              <a:t>2023/10/3</a:t>
+              <a:t>2023/10/4</a:t>
             </a:fld>
             <a:endParaRPr lang="zh-CN" altLang="en-US"/>
           </a:p>
@@ -1820,7 +1820,7 @@
           <a:p>
             <a:fld id="{C5381EA0-1461-46CC-8F26-9DE806167B9E}" type="datetimeFigureOut">
               <a:rPr lang="zh-CN" altLang="en-US" smtClean="0"/>
-              <a:t>2023/10/3</a:t>
+              <a:t>2023/10/4</a:t>
             </a:fld>
             <a:endParaRPr lang="zh-CN" altLang="en-US"/>
           </a:p>
@@ -1961,7 +1961,7 @@
           <a:p>
             <a:fld id="{C5381EA0-1461-46CC-8F26-9DE806167B9E}" type="datetimeFigureOut">
               <a:rPr lang="zh-CN" altLang="en-US" smtClean="0"/>
-              <a:t>2023/10/3</a:t>
+              <a:t>2023/10/4</a:t>
             </a:fld>
             <a:endParaRPr lang="zh-CN" altLang="en-US"/>
           </a:p>
@@ -2074,7 +2074,7 @@
           <a:p>
             <a:fld id="{C5381EA0-1461-46CC-8F26-9DE806167B9E}" type="datetimeFigureOut">
               <a:rPr lang="zh-CN" altLang="en-US" smtClean="0"/>
-              <a:t>2023/10/3</a:t>
+              <a:t>2023/10/4</a:t>
             </a:fld>
             <a:endParaRPr lang="zh-CN" altLang="en-US"/>
           </a:p>
@@ -2385,7 +2385,7 @@
           <a:p>
             <a:fld id="{C5381EA0-1461-46CC-8F26-9DE806167B9E}" type="datetimeFigureOut">
               <a:rPr lang="zh-CN" altLang="en-US" smtClean="0"/>
-              <a:t>2023/10/3</a:t>
+              <a:t>2023/10/4</a:t>
             </a:fld>
             <a:endParaRPr lang="zh-CN" altLang="en-US"/>
           </a:p>
@@ -2673,7 +2673,7 @@
           <a:p>
             <a:fld id="{C5381EA0-1461-46CC-8F26-9DE806167B9E}" type="datetimeFigureOut">
               <a:rPr lang="zh-CN" altLang="en-US" smtClean="0"/>
-              <a:t>2023/10/3</a:t>
+              <a:t>2023/10/4</a:t>
             </a:fld>
             <a:endParaRPr lang="zh-CN" altLang="en-US"/>
           </a:p>
@@ -2914,7 +2914,7 @@
           <a:p>
             <a:fld id="{C5381EA0-1461-46CC-8F26-9DE806167B9E}" type="datetimeFigureOut">
               <a:rPr lang="zh-CN" altLang="en-US" smtClean="0"/>
-              <a:t>2023/10/3</a:t>
+              <a:t>2023/10/4</a:t>
             </a:fld>
             <a:endParaRPr lang="zh-CN" altLang="en-US"/>
           </a:p>
@@ -5357,7 +5357,7 @@
             <a:pPr algn="ctr"/>
             <a:r>
               <a:rPr lang="zh-CN" altLang="en-US" dirty="0"/>
-              <a:t>仅使用充电数据对电池寿命进行预测，使用在</a:t>
+              <a:t>仅使用充电数据对电池寿命进行预测，使用方差的特征进行预测</a:t>
             </a:r>
           </a:p>
         </p:txBody>
